--- a/Entornos de Desarrollo/1º Evaluación/Pacticas/Practica2/Tareas/Presentación SmartSheet.pptx
+++ b/Entornos de Desarrollo/1º Evaluación/Pacticas/Practica2/Tareas/Presentación SmartSheet.pptx
@@ -131,11 +131,294 @@
     </a:lvl9pPr>
   </p:defaultTextStyle>
   <p:extLst>
+    <p:ext uri="{EFAFB233-063F-42B5-8137-9DF3F51BA10A}">
+      <p15:sldGuideLst xmlns:p15="http://schemas.microsoft.com/office/powerpoint/2012/main"/>
+    </p:ext>
     <p:ext uri="http://customooxmlschemas.google.com/">
-      <go:slidesCustomData xmlns:go="http://customooxmlschemas.google.com/" xmlns:ahyp="http://schemas.microsoft.com/office/drawing/2018/hyperlinkcolor" xmlns:p15="http://schemas.microsoft.com/office/powerpoint/2012/main" xmlns:p14="http://schemas.microsoft.com/office/powerpoint/2010/main" xmlns:com="http://schemas.openxmlformats.org/drawingml/2006/compatibility" xmlns:pvml="urn:schemas-microsoft-com:office:powerpoint" xmlns:v="urn:schemas-microsoft-com:vml" xmlns:o="urn:schemas-microsoft-com:office:office" xmlns:dgm="http://schemas.openxmlformats.org/drawingml/2006/diagram" xmlns:c="http://schemas.openxmlformats.org/drawingml/2006/chart" xmlns:mv="urn:schemas-microsoft-com:mac:vml" xmlns:mc="http://schemas.openxmlformats.org/markup-compatibility/2006" xmlns="" r:id="rId22" roundtripDataSignature="AMtx7mimCZ+XdtLiXoBlUQ7x767i2e8h4Q=="/>
+      <go:slidesCustomData xmlns="" xmlns:mc="http://schemas.openxmlformats.org/markup-compatibility/2006" xmlns:mv="urn:schemas-microsoft-com:mac:vml" xmlns:c="http://schemas.openxmlformats.org/drawingml/2006/chart" xmlns:dgm="http://schemas.openxmlformats.org/drawingml/2006/diagram" xmlns:o="urn:schemas-microsoft-com:office:office" xmlns:v="urn:schemas-microsoft-com:vml" xmlns:pvml="urn:schemas-microsoft-com:office:powerpoint" xmlns:com="http://schemas.openxmlformats.org/drawingml/2006/compatibility" xmlns:p14="http://schemas.microsoft.com/office/powerpoint/2010/main" xmlns:p15="http://schemas.microsoft.com/office/powerpoint/2012/main" xmlns:ahyp="http://schemas.microsoft.com/office/drawing/2018/hyperlinkcolor" xmlns:go="http://customooxmlschemas.google.com/" r:id="rId22" roundtripDataSignature="AMtx7mimCZ+XdtLiXoBlUQ7x767i2e8h4Q=="/>
     </p:ext>
   </p:extLst>
 </p:presentation>
+</file>
+
+<file path=ppt/changesInfos/changesInfo1.xml><?xml version="1.0" encoding="utf-8"?>
+<pc:chgInfo xmlns:a="http://schemas.openxmlformats.org/drawingml/2006/main" xmlns:r="http://schemas.openxmlformats.org/officeDocument/2006/relationships" xmlns:ac="http://schemas.microsoft.com/office/drawing/2013/main/command" xmlns:pc="http://schemas.microsoft.com/office/powerpoint/2013/main/command">
+  <pc:docChgLst>
+    <pc:chgData name="Eduardo Martín-Sonseca Alonso" userId="044a8a39323ca9b2" providerId="LiveId" clId="{9198A2A9-7E8F-4562-9806-CFF4FF69D251}"/>
+    <pc:docChg chg="undo custSel modSld">
+      <pc:chgData name="Eduardo Martín-Sonseca Alonso" userId="044a8a39323ca9b2" providerId="LiveId" clId="{9198A2A9-7E8F-4562-9806-CFF4FF69D251}" dt="2022-10-31T11:32:32.015" v="62" actId="12"/>
+      <pc:docMkLst>
+        <pc:docMk/>
+      </pc:docMkLst>
+      <pc:sldChg chg="addSp delSp modSp mod setBg">
+        <pc:chgData name="Eduardo Martín-Sonseca Alonso" userId="044a8a39323ca9b2" providerId="LiveId" clId="{9198A2A9-7E8F-4562-9806-CFF4FF69D251}" dt="2022-10-31T11:28:13.326" v="25" actId="26606"/>
+        <pc:sldMkLst>
+          <pc:docMk/>
+          <pc:sldMk cId="0" sldId="256"/>
+        </pc:sldMkLst>
+        <pc:spChg chg="mod">
+          <ac:chgData name="Eduardo Martín-Sonseca Alonso" userId="044a8a39323ca9b2" providerId="LiveId" clId="{9198A2A9-7E8F-4562-9806-CFF4FF69D251}" dt="2022-10-31T11:28:13.326" v="25" actId="26606"/>
+          <ac:spMkLst>
+            <pc:docMk/>
+            <pc:sldMk cId="0" sldId="256"/>
+            <ac:spMk id="115" creationId="{00000000-0000-0000-0000-000000000000}"/>
+          </ac:spMkLst>
+        </pc:spChg>
+        <pc:spChg chg="del mod">
+          <ac:chgData name="Eduardo Martín-Sonseca Alonso" userId="044a8a39323ca9b2" providerId="LiveId" clId="{9198A2A9-7E8F-4562-9806-CFF4FF69D251}" dt="2022-10-31T11:28:08.580" v="24" actId="478"/>
+          <ac:spMkLst>
+            <pc:docMk/>
+            <pc:sldMk cId="0" sldId="256"/>
+            <ac:spMk id="116" creationId="{00000000-0000-0000-0000-000000000000}"/>
+          </ac:spMkLst>
+        </pc:spChg>
+        <pc:spChg chg="add">
+          <ac:chgData name="Eduardo Martín-Sonseca Alonso" userId="044a8a39323ca9b2" providerId="LiveId" clId="{9198A2A9-7E8F-4562-9806-CFF4FF69D251}" dt="2022-10-31T11:28:13.326" v="25" actId="26606"/>
+          <ac:spMkLst>
+            <pc:docMk/>
+            <pc:sldMk cId="0" sldId="256"/>
+            <ac:spMk id="117" creationId="{313BE87B-D7FD-4BF3-A7BC-511F522528C2}"/>
+          </ac:spMkLst>
+        </pc:spChg>
+        <pc:spChg chg="add">
+          <ac:chgData name="Eduardo Martín-Sonseca Alonso" userId="044a8a39323ca9b2" providerId="LiveId" clId="{9198A2A9-7E8F-4562-9806-CFF4FF69D251}" dt="2022-10-31T11:28:13.326" v="25" actId="26606"/>
+          <ac:spMkLst>
+            <pc:docMk/>
+            <pc:sldMk cId="0" sldId="256"/>
+            <ac:spMk id="122" creationId="{035A481B-C639-4892-B0EF-4D8373A9B06A}"/>
+          </ac:spMkLst>
+        </pc:spChg>
+        <pc:spChg chg="add">
+          <ac:chgData name="Eduardo Martín-Sonseca Alonso" userId="044a8a39323ca9b2" providerId="LiveId" clId="{9198A2A9-7E8F-4562-9806-CFF4FF69D251}" dt="2022-10-31T11:28:13.326" v="25" actId="26606"/>
+          <ac:spMkLst>
+            <pc:docMk/>
+            <pc:sldMk cId="0" sldId="256"/>
+            <ac:spMk id="124" creationId="{052BD58B-6284-459E-9FF4-A97F3A569074}"/>
+          </ac:spMkLst>
+        </pc:spChg>
+        <pc:grpChg chg="add">
+          <ac:chgData name="Eduardo Martín-Sonseca Alonso" userId="044a8a39323ca9b2" providerId="LiveId" clId="{9198A2A9-7E8F-4562-9806-CFF4FF69D251}" dt="2022-10-31T11:28:13.326" v="25" actId="26606"/>
+          <ac:grpSpMkLst>
+            <pc:docMk/>
+            <pc:sldMk cId="0" sldId="256"/>
+            <ac:grpSpMk id="126" creationId="{AE589C21-CEDE-4D90-AC85-6E43B68D1316}"/>
+          </ac:grpSpMkLst>
+        </pc:grpChg>
+        <pc:picChg chg="del">
+          <ac:chgData name="Eduardo Martín-Sonseca Alonso" userId="044a8a39323ca9b2" providerId="LiveId" clId="{9198A2A9-7E8F-4562-9806-CFF4FF69D251}" dt="2022-10-31T11:27:42.153" v="2" actId="478"/>
+          <ac:picMkLst>
+            <pc:docMk/>
+            <pc:sldMk cId="0" sldId="256"/>
+            <ac:picMk id="120" creationId="{8CAEE5BD-3693-F6FD-30A5-E3AC57E8F952}"/>
+          </ac:picMkLst>
+        </pc:picChg>
+      </pc:sldChg>
+      <pc:sldChg chg="addSp delSp modSp mod setBg">
+        <pc:chgData name="Eduardo Martín-Sonseca Alonso" userId="044a8a39323ca9b2" providerId="LiveId" clId="{9198A2A9-7E8F-4562-9806-CFF4FF69D251}" dt="2022-10-31T11:29:58.194" v="35" actId="1076"/>
+        <pc:sldMkLst>
+          <pc:docMk/>
+          <pc:sldMk cId="0" sldId="257"/>
+        </pc:sldMkLst>
+        <pc:spChg chg="mod">
+          <ac:chgData name="Eduardo Martín-Sonseca Alonso" userId="044a8a39323ca9b2" providerId="LiveId" clId="{9198A2A9-7E8F-4562-9806-CFF4FF69D251}" dt="2022-10-31T11:29:51.846" v="32" actId="1076"/>
+          <ac:spMkLst>
+            <pc:docMk/>
+            <pc:sldMk cId="0" sldId="257"/>
+            <ac:spMk id="121" creationId="{00000000-0000-0000-0000-000000000000}"/>
+          </ac:spMkLst>
+        </pc:spChg>
+        <pc:spChg chg="mod">
+          <ac:chgData name="Eduardo Martín-Sonseca Alonso" userId="044a8a39323ca9b2" providerId="LiveId" clId="{9198A2A9-7E8F-4562-9806-CFF4FF69D251}" dt="2022-10-31T11:29:57.483" v="34" actId="1076"/>
+          <ac:spMkLst>
+            <pc:docMk/>
+            <pc:sldMk cId="0" sldId="257"/>
+            <ac:spMk id="122" creationId="{00000000-0000-0000-0000-000000000000}"/>
+          </ac:spMkLst>
+        </pc:spChg>
+        <pc:spChg chg="del">
+          <ac:chgData name="Eduardo Martín-Sonseca Alonso" userId="044a8a39323ca9b2" providerId="LiveId" clId="{9198A2A9-7E8F-4562-9806-CFF4FF69D251}" dt="2022-10-31T11:29:31.497" v="28" actId="26606"/>
+          <ac:spMkLst>
+            <pc:docMk/>
+            <pc:sldMk cId="0" sldId="257"/>
+            <ac:spMk id="159" creationId="{8F4E830A-06F9-4EAA-9E65-110CF2421798}"/>
+          </ac:spMkLst>
+        </pc:spChg>
+        <pc:spChg chg="add">
+          <ac:chgData name="Eduardo Martín-Sonseca Alonso" userId="044a8a39323ca9b2" providerId="LiveId" clId="{9198A2A9-7E8F-4562-9806-CFF4FF69D251}" dt="2022-10-31T11:29:31.497" v="28" actId="26606"/>
+          <ac:spMkLst>
+            <pc:docMk/>
+            <pc:sldMk cId="0" sldId="257"/>
+            <ac:spMk id="171" creationId="{8F4E830A-06F9-4EAA-9E65-110CF2421798}"/>
+          </ac:spMkLst>
+        </pc:spChg>
+        <pc:grpChg chg="del">
+          <ac:chgData name="Eduardo Martín-Sonseca Alonso" userId="044a8a39323ca9b2" providerId="LiveId" clId="{9198A2A9-7E8F-4562-9806-CFF4FF69D251}" dt="2022-10-31T11:29:31.497" v="28" actId="26606"/>
+          <ac:grpSpMkLst>
+            <pc:docMk/>
+            <pc:sldMk cId="0" sldId="257"/>
+            <ac:grpSpMk id="152" creationId="{24B32265-D526-44B2-B82E-8977DFEFB457}"/>
+          </ac:grpSpMkLst>
+        </pc:grpChg>
+        <pc:grpChg chg="del">
+          <ac:chgData name="Eduardo Martín-Sonseca Alonso" userId="044a8a39323ca9b2" providerId="LiveId" clId="{9198A2A9-7E8F-4562-9806-CFF4FF69D251}" dt="2022-10-31T11:29:31.497" v="28" actId="26606"/>
+          <ac:grpSpMkLst>
+            <pc:docMk/>
+            <pc:sldMk cId="0" sldId="257"/>
+            <ac:grpSpMk id="158" creationId="{8F1EF17D-1B70-428C-8A8A-A2C5B390E1E9}"/>
+          </ac:grpSpMkLst>
+        </pc:grpChg>
+        <pc:grpChg chg="add">
+          <ac:chgData name="Eduardo Martín-Sonseca Alonso" userId="044a8a39323ca9b2" providerId="LiveId" clId="{9198A2A9-7E8F-4562-9806-CFF4FF69D251}" dt="2022-10-31T11:29:31.497" v="28" actId="26606"/>
+          <ac:grpSpMkLst>
+            <pc:docMk/>
+            <pc:sldMk cId="0" sldId="257"/>
+            <ac:grpSpMk id="164" creationId="{8F1EF17D-1B70-428C-8A8A-A2C5B390E1E9}"/>
+          </ac:grpSpMkLst>
+        </pc:grpChg>
+        <pc:picChg chg="mod">
+          <ac:chgData name="Eduardo Martín-Sonseca Alonso" userId="044a8a39323ca9b2" providerId="LiveId" clId="{9198A2A9-7E8F-4562-9806-CFF4FF69D251}" dt="2022-10-31T11:29:58.194" v="35" actId="1076"/>
+          <ac:picMkLst>
+            <pc:docMk/>
+            <pc:sldMk cId="0" sldId="257"/>
+            <ac:picMk id="2" creationId="{8598C3ED-7F64-41B7-6980-C23A0392DEAF}"/>
+          </ac:picMkLst>
+        </pc:picChg>
+      </pc:sldChg>
+      <pc:sldChg chg="modSp mod">
+        <pc:chgData name="Eduardo Martín-Sonseca Alonso" userId="044a8a39323ca9b2" providerId="LiveId" clId="{9198A2A9-7E8F-4562-9806-CFF4FF69D251}" dt="2022-10-31T11:30:37.433" v="46" actId="1076"/>
+        <pc:sldMkLst>
+          <pc:docMk/>
+          <pc:sldMk cId="0" sldId="258"/>
+        </pc:sldMkLst>
+        <pc:spChg chg="mod">
+          <ac:chgData name="Eduardo Martín-Sonseca Alonso" userId="044a8a39323ca9b2" providerId="LiveId" clId="{9198A2A9-7E8F-4562-9806-CFF4FF69D251}" dt="2022-10-31T11:30:37.433" v="46" actId="1076"/>
+          <ac:spMkLst>
+            <pc:docMk/>
+            <pc:sldMk cId="0" sldId="258"/>
+            <ac:spMk id="128" creationId="{00000000-0000-0000-0000-000000000000}"/>
+          </ac:spMkLst>
+        </pc:spChg>
+        <pc:spChg chg="mod">
+          <ac:chgData name="Eduardo Martín-Sonseca Alonso" userId="044a8a39323ca9b2" providerId="LiveId" clId="{9198A2A9-7E8F-4562-9806-CFF4FF69D251}" dt="2022-10-31T11:30:27.236" v="43" actId="1076"/>
+          <ac:spMkLst>
+            <pc:docMk/>
+            <pc:sldMk cId="0" sldId="258"/>
+            <ac:spMk id="129" creationId="{00000000-0000-0000-0000-000000000000}"/>
+          </ac:spMkLst>
+        </pc:spChg>
+        <pc:picChg chg="mod">
+          <ac:chgData name="Eduardo Martín-Sonseca Alonso" userId="044a8a39323ca9b2" providerId="LiveId" clId="{9198A2A9-7E8F-4562-9806-CFF4FF69D251}" dt="2022-10-31T11:30:22.226" v="42" actId="1076"/>
+          <ac:picMkLst>
+            <pc:docMk/>
+            <pc:sldMk cId="0" sldId="258"/>
+            <ac:picMk id="130" creationId="{00000000-0000-0000-0000-000000000000}"/>
+          </ac:picMkLst>
+        </pc:picChg>
+      </pc:sldChg>
+      <pc:sldChg chg="modSp mod">
+        <pc:chgData name="Eduardo Martín-Sonseca Alonso" userId="044a8a39323ca9b2" providerId="LiveId" clId="{9198A2A9-7E8F-4562-9806-CFF4FF69D251}" dt="2022-10-31T11:31:15.359" v="47" actId="12"/>
+        <pc:sldMkLst>
+          <pc:docMk/>
+          <pc:sldMk cId="0" sldId="260"/>
+        </pc:sldMkLst>
+        <pc:spChg chg="mod">
+          <ac:chgData name="Eduardo Martín-Sonseca Alonso" userId="044a8a39323ca9b2" providerId="LiveId" clId="{9198A2A9-7E8F-4562-9806-CFF4FF69D251}" dt="2022-10-31T11:31:15.359" v="47" actId="12"/>
+          <ac:spMkLst>
+            <pc:docMk/>
+            <pc:sldMk cId="0" sldId="260"/>
+            <ac:spMk id="2" creationId="{7463FEED-B69B-B9F1-0E3D-184619B7D5B4}"/>
+          </ac:spMkLst>
+        </pc:spChg>
+        <pc:spChg chg="mod">
+          <ac:chgData name="Eduardo Martín-Sonseca Alonso" userId="044a8a39323ca9b2" providerId="LiveId" clId="{9198A2A9-7E8F-4562-9806-CFF4FF69D251}" dt="2022-10-31T11:31:15.359" v="47" actId="12"/>
+          <ac:spMkLst>
+            <pc:docMk/>
+            <pc:sldMk cId="0" sldId="260"/>
+            <ac:spMk id="9" creationId="{7BAE433C-C2D3-BC0B-50BA-EC2C035A697E}"/>
+          </ac:spMkLst>
+        </pc:spChg>
+        <pc:spChg chg="mod">
+          <ac:chgData name="Eduardo Martín-Sonseca Alonso" userId="044a8a39323ca9b2" providerId="LiveId" clId="{9198A2A9-7E8F-4562-9806-CFF4FF69D251}" dt="2022-10-31T11:31:15.359" v="47" actId="12"/>
+          <ac:spMkLst>
+            <pc:docMk/>
+            <pc:sldMk cId="0" sldId="260"/>
+            <ac:spMk id="12" creationId="{157B0937-28FE-6191-A936-F08048574EFF}"/>
+          </ac:spMkLst>
+        </pc:spChg>
+      </pc:sldChg>
+      <pc:sldChg chg="modSp mod">
+        <pc:chgData name="Eduardo Martín-Sonseca Alonso" userId="044a8a39323ca9b2" providerId="LiveId" clId="{9198A2A9-7E8F-4562-9806-CFF4FF69D251}" dt="2022-10-31T11:32:18.454" v="61" actId="12"/>
+        <pc:sldMkLst>
+          <pc:docMk/>
+          <pc:sldMk cId="2929263307" sldId="267"/>
+        </pc:sldMkLst>
+        <pc:spChg chg="mod">
+          <ac:chgData name="Eduardo Martín-Sonseca Alonso" userId="044a8a39323ca9b2" providerId="LiveId" clId="{9198A2A9-7E8F-4562-9806-CFF4FF69D251}" dt="2022-10-31T11:32:18.454" v="61" actId="12"/>
+          <ac:spMkLst>
+            <pc:docMk/>
+            <pc:sldMk cId="2929263307" sldId="267"/>
+            <ac:spMk id="7" creationId="{CC9DEB30-8055-8330-465F-CA00DB4FA3BD}"/>
+          </ac:spMkLst>
+        </pc:spChg>
+        <pc:spChg chg="mod">
+          <ac:chgData name="Eduardo Martín-Sonseca Alonso" userId="044a8a39323ca9b2" providerId="LiveId" clId="{9198A2A9-7E8F-4562-9806-CFF4FF69D251}" dt="2022-10-31T11:32:18.454" v="61" actId="12"/>
+          <ac:spMkLst>
+            <pc:docMk/>
+            <pc:sldMk cId="2929263307" sldId="267"/>
+            <ac:spMk id="9" creationId="{7BAE433C-C2D3-BC0B-50BA-EC2C035A697E}"/>
+          </ac:spMkLst>
+        </pc:spChg>
+        <pc:spChg chg="mod">
+          <ac:chgData name="Eduardo Martín-Sonseca Alonso" userId="044a8a39323ca9b2" providerId="LiveId" clId="{9198A2A9-7E8F-4562-9806-CFF4FF69D251}" dt="2022-10-31T11:32:18.454" v="61" actId="12"/>
+          <ac:spMkLst>
+            <pc:docMk/>
+            <pc:sldMk cId="2929263307" sldId="267"/>
+            <ac:spMk id="11" creationId="{B8055CE3-A720-D5AC-D919-95C1DD51C73B}"/>
+          </ac:spMkLst>
+        </pc:spChg>
+      </pc:sldChg>
+      <pc:sldChg chg="modSp mod">
+        <pc:chgData name="Eduardo Martín-Sonseca Alonso" userId="044a8a39323ca9b2" providerId="LiveId" clId="{9198A2A9-7E8F-4562-9806-CFF4FF69D251}" dt="2022-10-31T11:32:32.015" v="62" actId="12"/>
+        <pc:sldMkLst>
+          <pc:docMk/>
+          <pc:sldMk cId="3657162610" sldId="268"/>
+        </pc:sldMkLst>
+        <pc:spChg chg="mod">
+          <ac:chgData name="Eduardo Martín-Sonseca Alonso" userId="044a8a39323ca9b2" providerId="LiveId" clId="{9198A2A9-7E8F-4562-9806-CFF4FF69D251}" dt="2022-10-31T11:32:32.015" v="62" actId="12"/>
+          <ac:spMkLst>
+            <pc:docMk/>
+            <pc:sldMk cId="3657162610" sldId="268"/>
+            <ac:spMk id="7" creationId="{CC9DEB30-8055-8330-465F-CA00DB4FA3BD}"/>
+          </ac:spMkLst>
+        </pc:spChg>
+        <pc:spChg chg="mod">
+          <ac:chgData name="Eduardo Martín-Sonseca Alonso" userId="044a8a39323ca9b2" providerId="LiveId" clId="{9198A2A9-7E8F-4562-9806-CFF4FF69D251}" dt="2022-10-31T11:32:32.015" v="62" actId="12"/>
+          <ac:spMkLst>
+            <pc:docMk/>
+            <pc:sldMk cId="3657162610" sldId="268"/>
+            <ac:spMk id="9" creationId="{7BAE433C-C2D3-BC0B-50BA-EC2C035A697E}"/>
+          </ac:spMkLst>
+        </pc:spChg>
+        <pc:spChg chg="mod">
+          <ac:chgData name="Eduardo Martín-Sonseca Alonso" userId="044a8a39323ca9b2" providerId="LiveId" clId="{9198A2A9-7E8F-4562-9806-CFF4FF69D251}" dt="2022-10-31T11:32:32.015" v="62" actId="12"/>
+          <ac:spMkLst>
+            <pc:docMk/>
+            <pc:sldMk cId="3657162610" sldId="268"/>
+            <ac:spMk id="11" creationId="{B8055CE3-A720-D5AC-D919-95C1DD51C73B}"/>
+          </ac:spMkLst>
+        </pc:spChg>
+        <pc:spChg chg="mod">
+          <ac:chgData name="Eduardo Martín-Sonseca Alonso" userId="044a8a39323ca9b2" providerId="LiveId" clId="{9198A2A9-7E8F-4562-9806-CFF4FF69D251}" dt="2022-10-31T11:32:00.470" v="60" actId="14100"/>
+          <ac:spMkLst>
+            <pc:docMk/>
+            <pc:sldMk cId="3657162610" sldId="268"/>
+            <ac:spMk id="149" creationId="{00000000-0000-0000-0000-000000000000}"/>
+          </ac:spMkLst>
+        </pc:spChg>
+      </pc:sldChg>
+    </pc:docChg>
+  </pc:docChgLst>
+</pc:chgInfo>
 </file>
 
 <file path=ppt/notesMasters/notesMaster1.xml><?xml version="1.0" encoding="utf-8"?>
@@ -7086,10 +7369,7 @@
     <p:bg>
       <p:bgPr>
         <a:solidFill>
-          <a:schemeClr val="bg1">
-            <a:tint val="95000"/>
-            <a:satMod val="170000"/>
-          </a:schemeClr>
+          <a:schemeClr val="bg2"/>
         </a:solidFill>
         <a:effectLst/>
       </p:bgPr>
@@ -7108,6 +7388,486 @@
           <a:chExt cx="0" cy="0"/>
         </a:xfrm>
       </p:grpSpPr>
+      <p:sp useBgFill="1">
+        <p:nvSpPr>
+          <p:cNvPr id="117" name="Rectangle 119">
+            <a:extLst>
+              <a:ext uri="{FF2B5EF4-FFF2-40B4-BE49-F238E27FC236}">
+                <a16:creationId xmlns:a16="http://schemas.microsoft.com/office/drawing/2014/main" id="{313BE87B-D7FD-4BF3-A7BC-511F522528C2}"/>
+              </a:ext>
+              <a:ext uri="{C183D7F6-B498-43B3-948B-1728B52AA6E4}">
+                <adec:decorative xmlns:adec="http://schemas.microsoft.com/office/drawing/2017/decorative" val="1"/>
+              </a:ext>
+            </a:extLst>
+          </p:cNvPr>
+          <p:cNvSpPr>
+            <a:spLocks noGrp="1" noRot="1" noChangeAspect="1" noMove="1" noResize="1" noEditPoints="1" noAdjustHandles="1" noChangeArrowheads="1" noChangeShapeType="1" noTextEdit="1"/>
+          </p:cNvSpPr>
+          <p:nvPr>
+            <p:extLst>
+              <p:ext uri="{386F3935-93C4-4BCD-93E2-E3B085C9AB24}">
+                <p16:designElem xmlns:p16="http://schemas.microsoft.com/office/powerpoint/2015/main" val="1"/>
+              </p:ext>
+            </p:extLst>
+          </p:nvPr>
+        </p:nvSpPr>
+        <p:spPr>
+          <a:xfrm>
+            <a:off x="0" y="0"/>
+            <a:ext cx="12192000" cy="6858000"/>
+          </a:xfrm>
+          <a:prstGeom prst="rect">
+            <a:avLst/>
+          </a:prstGeom>
+          <a:solidFill>
+            <a:schemeClr val="accent1"/>
+          </a:solidFill>
+          <a:ln>
+            <a:noFill/>
+          </a:ln>
+        </p:spPr>
+        <p:style>
+          <a:lnRef idx="2">
+            <a:schemeClr val="accent1">
+              <a:shade val="50000"/>
+            </a:schemeClr>
+          </a:lnRef>
+          <a:fillRef idx="1">
+            <a:schemeClr val="accent1"/>
+          </a:fillRef>
+          <a:effectRef idx="0">
+            <a:schemeClr val="accent1"/>
+          </a:effectRef>
+          <a:fontRef idx="minor">
+            <a:schemeClr val="lt1"/>
+          </a:fontRef>
+        </p:style>
+        <p:txBody>
+          <a:bodyPr rtlCol="0" anchor="ctr"/>
+          <a:lstStyle/>
+          <a:p>
+            <a:pPr algn="ctr"/>
+            <a:endParaRPr lang="en-US"/>
+          </a:p>
+        </p:txBody>
+      </p:sp>
+      <p:sp>
+        <p:nvSpPr>
+          <p:cNvPr id="122" name="Rectangle 121">
+            <a:extLst>
+              <a:ext uri="{FF2B5EF4-FFF2-40B4-BE49-F238E27FC236}">
+                <a16:creationId xmlns:a16="http://schemas.microsoft.com/office/drawing/2014/main" id="{035A481B-C639-4892-B0EF-4D8373A9B06A}"/>
+              </a:ext>
+              <a:ext uri="{C183D7F6-B498-43B3-948B-1728B52AA6E4}">
+                <adec:decorative xmlns:adec="http://schemas.microsoft.com/office/drawing/2017/decorative" val="1"/>
+              </a:ext>
+            </a:extLst>
+          </p:cNvPr>
+          <p:cNvSpPr>
+            <a:spLocks noGrp="1" noRot="1" noChangeAspect="1" noMove="1" noResize="1" noEditPoints="1" noAdjustHandles="1" noChangeArrowheads="1" noChangeShapeType="1" noTextEdit="1"/>
+          </p:cNvSpPr>
+          <p:nvPr>
+            <p:extLst>
+              <p:ext uri="{386F3935-93C4-4BCD-93E2-E3B085C9AB24}">
+                <p16:designElem xmlns:p16="http://schemas.microsoft.com/office/powerpoint/2015/main" val="1"/>
+              </p:ext>
+            </p:extLst>
+          </p:nvPr>
+        </p:nvSpPr>
+        <p:spPr>
+          <a:xfrm>
+            <a:off x="0" y="-1"/>
+            <a:ext cx="4639734" cy="6858000"/>
+          </a:xfrm>
+          <a:prstGeom prst="rect">
+            <a:avLst/>
+          </a:prstGeom>
+          <a:solidFill>
+            <a:schemeClr val="accent1">
+              <a:lumMod val="75000"/>
+            </a:schemeClr>
+          </a:solidFill>
+          <a:ln>
+            <a:noFill/>
+          </a:ln>
+          <a:effectLst/>
+        </p:spPr>
+        <p:style>
+          <a:lnRef idx="2">
+            <a:schemeClr val="accent1">
+              <a:shade val="50000"/>
+            </a:schemeClr>
+          </a:lnRef>
+          <a:fillRef idx="1001">
+            <a:schemeClr val="dk2"/>
+          </a:fillRef>
+          <a:effectRef idx="0">
+            <a:schemeClr val="accent1"/>
+          </a:effectRef>
+          <a:fontRef idx="minor">
+            <a:schemeClr val="lt1"/>
+          </a:fontRef>
+        </p:style>
+        <p:txBody>
+          <a:bodyPr rtlCol="0" anchor="ctr"/>
+          <a:lstStyle/>
+          <a:p>
+            <a:pPr algn="ctr"/>
+            <a:endParaRPr lang="en-US"/>
+          </a:p>
+        </p:txBody>
+      </p:sp>
+      <p:sp>
+        <p:nvSpPr>
+          <p:cNvPr id="124" name="Rectangle 123">
+            <a:extLst>
+              <a:ext uri="{FF2B5EF4-FFF2-40B4-BE49-F238E27FC236}">
+                <a16:creationId xmlns:a16="http://schemas.microsoft.com/office/drawing/2014/main" id="{052BD58B-6284-459E-9FF4-A97F3A569074}"/>
+              </a:ext>
+              <a:ext uri="{C183D7F6-B498-43B3-948B-1728B52AA6E4}">
+                <adec:decorative xmlns:adec="http://schemas.microsoft.com/office/drawing/2017/decorative" val="1"/>
+              </a:ext>
+            </a:extLst>
+          </p:cNvPr>
+          <p:cNvSpPr>
+            <a:spLocks noGrp="1" noRot="1" noChangeAspect="1" noMove="1" noResize="1" noEditPoints="1" noAdjustHandles="1" noChangeArrowheads="1" noChangeShapeType="1" noTextEdit="1"/>
+          </p:cNvSpPr>
+          <p:nvPr>
+            <p:extLst>
+              <p:ext uri="{386F3935-93C4-4BCD-93E2-E3B085C9AB24}">
+                <p16:designElem xmlns:p16="http://schemas.microsoft.com/office/powerpoint/2015/main" val="1"/>
+              </p:ext>
+            </p:extLst>
+          </p:nvPr>
+        </p:nvSpPr>
+        <p:spPr>
+          <a:xfrm>
+            <a:off x="0" y="-2"/>
+            <a:ext cx="1438656" cy="6858000"/>
+          </a:xfrm>
+          <a:prstGeom prst="rect">
+            <a:avLst/>
+          </a:prstGeom>
+          <a:solidFill>
+            <a:schemeClr val="accent1">
+              <a:lumMod val="50000"/>
+            </a:schemeClr>
+          </a:solidFill>
+          <a:ln>
+            <a:noFill/>
+          </a:ln>
+        </p:spPr>
+        <p:style>
+          <a:lnRef idx="2">
+            <a:schemeClr val="accent1">
+              <a:shade val="50000"/>
+            </a:schemeClr>
+          </a:lnRef>
+          <a:fillRef idx="1003">
+            <a:schemeClr val="lt1"/>
+          </a:fillRef>
+          <a:effectRef idx="0">
+            <a:schemeClr val="accent1"/>
+          </a:effectRef>
+          <a:fontRef idx="minor">
+            <a:schemeClr val="lt1"/>
+          </a:fontRef>
+        </p:style>
+        <p:txBody>
+          <a:bodyPr rtlCol="0" anchor="ctr"/>
+          <a:lstStyle/>
+          <a:p>
+            <a:pPr algn="ctr"/>
+            <a:endParaRPr lang="en-US">
+              <a:solidFill>
+                <a:schemeClr val="accent2"/>
+              </a:solidFill>
+            </a:endParaRPr>
+          </a:p>
+        </p:txBody>
+      </p:sp>
+      <p:grpSp>
+        <p:nvGrpSpPr>
+          <p:cNvPr id="126" name="Group 125">
+            <a:extLst>
+              <a:ext uri="{FF2B5EF4-FFF2-40B4-BE49-F238E27FC236}">
+                <a16:creationId xmlns:a16="http://schemas.microsoft.com/office/drawing/2014/main" id="{AE589C21-CEDE-4D90-AC85-6E43B68D1316}"/>
+              </a:ext>
+              <a:ext uri="{C183D7F6-B498-43B3-948B-1728B52AA6E4}">
+                <adec:decorative xmlns:adec="http://schemas.microsoft.com/office/drawing/2017/decorative" val="1"/>
+              </a:ext>
+            </a:extLst>
+          </p:cNvPr>
+          <p:cNvGrpSpPr>
+            <a:grpSpLocks noGrp="1" noUngrp="1" noRot="1" noChangeAspect="1" noMove="1" noResize="1"/>
+          </p:cNvGrpSpPr>
+          <p:nvPr>
+            <p:extLst>
+              <p:ext uri="{386F3935-93C4-4BCD-93E2-E3B085C9AB24}">
+                <p16:designElem xmlns:p16="http://schemas.microsoft.com/office/powerpoint/2015/main" val="1"/>
+              </p:ext>
+            </p:extLst>
+          </p:nvPr>
+        </p:nvGrpSpPr>
+        <p:grpSpPr>
+          <a:xfrm>
+            <a:off x="9206969" y="3449715"/>
+            <a:ext cx="2981858" cy="3208867"/>
+            <a:chOff x="9206969" y="2963333"/>
+            <a:chExt cx="2981858" cy="3208867"/>
+          </a:xfrm>
+        </p:grpSpPr>
+        <p:cxnSp>
+          <p:nvCxnSpPr>
+            <p:cNvPr id="127" name="Straight Connector 126">
+              <a:extLst>
+                <a:ext uri="{FF2B5EF4-FFF2-40B4-BE49-F238E27FC236}">
+                  <a16:creationId xmlns:a16="http://schemas.microsoft.com/office/drawing/2014/main" id="{1F4121EC-0ADD-45C0-85F0-D49F67A3ED8B}"/>
+                </a:ext>
+                <a:ext uri="{C183D7F6-B498-43B3-948B-1728B52AA6E4}">
+                  <adec:decorative xmlns:adec="http://schemas.microsoft.com/office/drawing/2017/decorative" val="1"/>
+                </a:ext>
+              </a:extLst>
+            </p:cNvPr>
+            <p:cNvCxnSpPr/>
+            <p:nvPr>
+              <p:extLst>
+                <p:ext uri="{386F3935-93C4-4BCD-93E2-E3B085C9AB24}">
+                  <p16:designElem xmlns:p16="http://schemas.microsoft.com/office/powerpoint/2015/main" val="1"/>
+                </p:ext>
+              </p:extLst>
+            </p:nvPr>
+          </p:nvCxnSpPr>
+          <p:spPr>
+            <a:xfrm flipH="1">
+              <a:off x="11276012" y="2963333"/>
+              <a:ext cx="912814" cy="912812"/>
+            </a:xfrm>
+            <a:prstGeom prst="line">
+              <a:avLst/>
+            </a:prstGeom>
+            <a:ln w="9525">
+              <a:solidFill>
+                <a:srgbClr val="FFFFFF"/>
+              </a:solidFill>
+            </a:ln>
+          </p:spPr>
+          <p:style>
+            <a:lnRef idx="2">
+              <a:schemeClr val="accent1"/>
+            </a:lnRef>
+            <a:fillRef idx="0">
+              <a:schemeClr val="accent1"/>
+            </a:fillRef>
+            <a:effectRef idx="1">
+              <a:schemeClr val="accent1"/>
+            </a:effectRef>
+            <a:fontRef idx="minor">
+              <a:schemeClr val="tx1"/>
+            </a:fontRef>
+          </p:style>
+        </p:cxnSp>
+        <p:cxnSp>
+          <p:nvCxnSpPr>
+            <p:cNvPr id="128" name="Straight Connector 127">
+              <a:extLst>
+                <a:ext uri="{FF2B5EF4-FFF2-40B4-BE49-F238E27FC236}">
+                  <a16:creationId xmlns:a16="http://schemas.microsoft.com/office/drawing/2014/main" id="{422F012F-0680-4AEC-9884-BA712ED2B9E6}"/>
+                </a:ext>
+                <a:ext uri="{C183D7F6-B498-43B3-948B-1728B52AA6E4}">
+                  <adec:decorative xmlns:adec="http://schemas.microsoft.com/office/drawing/2017/decorative" val="1"/>
+                </a:ext>
+              </a:extLst>
+            </p:cNvPr>
+            <p:cNvCxnSpPr/>
+            <p:nvPr>
+              <p:extLst>
+                <p:ext uri="{386F3935-93C4-4BCD-93E2-E3B085C9AB24}">
+                  <p16:designElem xmlns:p16="http://schemas.microsoft.com/office/powerpoint/2015/main" val="1"/>
+                </p:ext>
+              </p:extLst>
+            </p:nvPr>
+          </p:nvCxnSpPr>
+          <p:spPr>
+            <a:xfrm flipH="1">
+              <a:off x="9206969" y="3190344"/>
+              <a:ext cx="2981857" cy="2981856"/>
+            </a:xfrm>
+            <a:prstGeom prst="line">
+              <a:avLst/>
+            </a:prstGeom>
+            <a:ln w="9525">
+              <a:solidFill>
+                <a:srgbClr val="FFFFFF"/>
+              </a:solidFill>
+            </a:ln>
+          </p:spPr>
+          <p:style>
+            <a:lnRef idx="2">
+              <a:schemeClr val="accent1"/>
+            </a:lnRef>
+            <a:fillRef idx="0">
+              <a:schemeClr val="accent1"/>
+            </a:fillRef>
+            <a:effectRef idx="1">
+              <a:schemeClr val="accent1"/>
+            </a:effectRef>
+            <a:fontRef idx="minor">
+              <a:schemeClr val="tx1"/>
+            </a:fontRef>
+          </p:style>
+        </p:cxnSp>
+        <p:cxnSp>
+          <p:nvCxnSpPr>
+            <p:cNvPr id="129" name="Straight Connector 128">
+              <a:extLst>
+                <a:ext uri="{FF2B5EF4-FFF2-40B4-BE49-F238E27FC236}">
+                  <a16:creationId xmlns:a16="http://schemas.microsoft.com/office/drawing/2014/main" id="{FA5CEDFE-9EC8-436B-AE10-F85A847783A2}"/>
+                </a:ext>
+                <a:ext uri="{C183D7F6-B498-43B3-948B-1728B52AA6E4}">
+                  <adec:decorative xmlns:adec="http://schemas.microsoft.com/office/drawing/2017/decorative" val="1"/>
+                </a:ext>
+              </a:extLst>
+            </p:cNvPr>
+            <p:cNvCxnSpPr/>
+            <p:nvPr>
+              <p:extLst>
+                <p:ext uri="{386F3935-93C4-4BCD-93E2-E3B085C9AB24}">
+                  <p16:designElem xmlns:p16="http://schemas.microsoft.com/office/powerpoint/2015/main" val="1"/>
+                </p:ext>
+              </p:extLst>
+            </p:nvPr>
+          </p:nvCxnSpPr>
+          <p:spPr>
+            <a:xfrm flipH="1">
+              <a:off x="10292292" y="3285067"/>
+              <a:ext cx="1896534" cy="1896533"/>
+            </a:xfrm>
+            <a:prstGeom prst="line">
+              <a:avLst/>
+            </a:prstGeom>
+            <a:ln w="9525">
+              <a:solidFill>
+                <a:srgbClr val="FFFFFF"/>
+              </a:solidFill>
+            </a:ln>
+          </p:spPr>
+          <p:style>
+            <a:lnRef idx="2">
+              <a:schemeClr val="accent1"/>
+            </a:lnRef>
+            <a:fillRef idx="0">
+              <a:schemeClr val="accent1"/>
+            </a:fillRef>
+            <a:effectRef idx="1">
+              <a:schemeClr val="accent1"/>
+            </a:effectRef>
+            <a:fontRef idx="minor">
+              <a:schemeClr val="tx1"/>
+            </a:fontRef>
+          </p:style>
+        </p:cxnSp>
+        <p:cxnSp>
+          <p:nvCxnSpPr>
+            <p:cNvPr id="130" name="Straight Connector 129">
+              <a:extLst>
+                <a:ext uri="{FF2B5EF4-FFF2-40B4-BE49-F238E27FC236}">
+                  <a16:creationId xmlns:a16="http://schemas.microsoft.com/office/drawing/2014/main" id="{29C70031-55D8-483B-8452-A6B809D0AC84}"/>
+                </a:ext>
+                <a:ext uri="{C183D7F6-B498-43B3-948B-1728B52AA6E4}">
+                  <adec:decorative xmlns:adec="http://schemas.microsoft.com/office/drawing/2017/decorative" val="1"/>
+                </a:ext>
+              </a:extLst>
+            </p:cNvPr>
+            <p:cNvCxnSpPr/>
+            <p:nvPr>
+              <p:extLst>
+                <p:ext uri="{386F3935-93C4-4BCD-93E2-E3B085C9AB24}">
+                  <p16:designElem xmlns:p16="http://schemas.microsoft.com/office/powerpoint/2015/main" val="1"/>
+                </p:ext>
+              </p:extLst>
+            </p:nvPr>
+          </p:nvCxnSpPr>
+          <p:spPr>
+            <a:xfrm flipH="1">
+              <a:off x="10443103" y="3131080"/>
+              <a:ext cx="1745722" cy="1745720"/>
+            </a:xfrm>
+            <a:prstGeom prst="line">
+              <a:avLst/>
+            </a:prstGeom>
+            <a:ln w="28575">
+              <a:solidFill>
+                <a:srgbClr val="FFFFFF"/>
+              </a:solidFill>
+            </a:ln>
+          </p:spPr>
+          <p:style>
+            <a:lnRef idx="2">
+              <a:schemeClr val="accent1"/>
+            </a:lnRef>
+            <a:fillRef idx="0">
+              <a:schemeClr val="accent1"/>
+            </a:fillRef>
+            <a:effectRef idx="1">
+              <a:schemeClr val="accent1"/>
+            </a:effectRef>
+            <a:fontRef idx="minor">
+              <a:schemeClr val="tx1"/>
+            </a:fontRef>
+          </p:style>
+        </p:cxnSp>
+        <p:cxnSp>
+          <p:nvCxnSpPr>
+            <p:cNvPr id="131" name="Straight Connector 130">
+              <a:extLst>
+                <a:ext uri="{FF2B5EF4-FFF2-40B4-BE49-F238E27FC236}">
+                  <a16:creationId xmlns:a16="http://schemas.microsoft.com/office/drawing/2014/main" id="{E24F1E16-B0BE-4400-9A10-95BB1D52CCD2}"/>
+                </a:ext>
+                <a:ext uri="{C183D7F6-B498-43B3-948B-1728B52AA6E4}">
+                  <adec:decorative xmlns:adec="http://schemas.microsoft.com/office/drawing/2017/decorative" val="1"/>
+                </a:ext>
+              </a:extLst>
+            </p:cNvPr>
+            <p:cNvCxnSpPr/>
+            <p:nvPr>
+              <p:extLst>
+                <p:ext uri="{386F3935-93C4-4BCD-93E2-E3B085C9AB24}">
+                  <p16:designElem xmlns:p16="http://schemas.microsoft.com/office/powerpoint/2015/main" val="1"/>
+                </p:ext>
+              </p:extLst>
+            </p:nvPr>
+          </p:nvCxnSpPr>
+          <p:spPr>
+            <a:xfrm flipH="1">
+              <a:off x="10918826" y="3683001"/>
+              <a:ext cx="1270001" cy="1269999"/>
+            </a:xfrm>
+            <a:prstGeom prst="line">
+              <a:avLst/>
+            </a:prstGeom>
+            <a:ln w="28575">
+              <a:solidFill>
+                <a:srgbClr val="FFFFFF"/>
+              </a:solidFill>
+            </a:ln>
+          </p:spPr>
+          <p:style>
+            <a:lnRef idx="2">
+              <a:schemeClr val="accent1"/>
+            </a:lnRef>
+            <a:fillRef idx="0">
+              <a:schemeClr val="accent1"/>
+            </a:fillRef>
+            <a:effectRef idx="1">
+              <a:schemeClr val="accent1"/>
+            </a:effectRef>
+            <a:fontRef idx="minor">
+              <a:schemeClr val="tx1"/>
+            </a:fontRef>
+          </p:style>
+        </p:cxnSp>
+      </p:grpSp>
       <p:sp>
         <p:nvSpPr>
           <p:cNvPr id="115" name="Google Shape;115;p1"/>
@@ -7116,8 +7876,8 @@
         </p:nvSpPr>
         <p:spPr>
           <a:xfrm>
-            <a:off x="801098" y="1396289"/>
-            <a:ext cx="5277333" cy="1325563"/>
+            <a:off x="5116738" y="685798"/>
+            <a:ext cx="6159273" cy="4495801"/>
           </a:xfrm>
           <a:prstGeom prst="rect">
             <a:avLst/>
@@ -7130,9 +7890,6 @@
           <a:lstStyle/>
           <a:p>
             <a:pPr marL="0" marR="0" lvl="0" indent="0">
-              <a:lnSpc>
-                <a:spcPct val="90000"/>
-              </a:lnSpc>
               <a:spcBef>
                 <a:spcPct val="0"/>
               </a:spcBef>
@@ -7141,20 +7898,25 @@
               </a:spcAft>
             </a:pPr>
             <a:r>
-              <a:rPr lang="en-US" sz="4400" b="0" i="0" u="none" strike="noStrike" kern="1200" cap="none">
-                <a:solidFill>
-                  <a:schemeClr val="tx1"/>
+              <a:rPr lang="en-US" sz="5400" cap="all">
+                <a:ln w="3175" cmpd="sng">
+                  <a:noFill/>
+                </a:ln>
+                <a:solidFill>
+                  <a:srgbClr val="FFFFFF"/>
                 </a:solidFill>
                 <a:latin typeface="+mj-lt"/>
                 <a:ea typeface="+mj-ea"/>
                 <a:cs typeface="+mj-cs"/>
-                <a:sym typeface="Teko"/>
-              </a:rPr>
-              <a:t>SMARTSHEET</a:t>
-            </a:r>
-            <a:endParaRPr lang="en-US" sz="4400" kern="1200" dirty="0">
+              </a:rPr>
+              <a:t>PRÁCTICA II HERRAMIENTAS DE GESTIÓN DE PROYECTOS : SMARTSHEET</a:t>
+            </a:r>
+            <a:endParaRPr lang="en-US" sz="5400" cap="all">
+              <a:ln w="3175" cmpd="sng">
+                <a:noFill/>
+              </a:ln>
               <a:solidFill>
-                <a:schemeClr val="tx1"/>
+                <a:srgbClr val="FFFFFF"/>
               </a:solidFill>
               <a:latin typeface="+mj-lt"/>
               <a:ea typeface="+mj-ea"/>
@@ -7164,130 +7926,6 @@
           </a:p>
         </p:txBody>
       </p:sp>
-      <p:sp>
-        <p:nvSpPr>
-          <p:cNvPr id="116" name="Google Shape;116;p1"/>
-          <p:cNvSpPr txBox="1"/>
-          <p:nvPr/>
-        </p:nvSpPr>
-        <p:spPr>
-          <a:xfrm>
-            <a:off x="805543" y="2871982"/>
-            <a:ext cx="5272888" cy="3181684"/>
-          </a:xfrm>
-          <a:prstGeom prst="rect">
-            <a:avLst/>
-          </a:prstGeom>
-        </p:spPr>
-        <p:txBody>
-          <a:bodyPr spcFirstLastPara="1" vert="horz" lIns="91440" tIns="45720" rIns="91440" bIns="45720" rtlCol="0" anchor="t" anchorCtr="0">
-            <a:normAutofit/>
-          </a:bodyPr>
-          <a:lstStyle/>
-          <a:p>
-            <a:pPr marL="0" marR="0" lvl="0" indent="-228600">
-              <a:lnSpc>
-                <a:spcPct val="90000"/>
-              </a:lnSpc>
-              <a:spcBef>
-                <a:spcPts val="0"/>
-              </a:spcBef>
-              <a:spcAft>
-                <a:spcPts val="600"/>
-              </a:spcAft>
-              <a:buFont typeface="Arial" panose="020B0604020202020204" pitchFamily="34" charset="0"/>
-              <a:buChar char="•"/>
-            </a:pPr>
-            <a:r>
-              <a:rPr lang="en-US">
-                <a:sym typeface="Century Gothic"/>
-              </a:rPr>
-              <a:t>Eduardo Martín-Sonseca</a:t>
-            </a:r>
-          </a:p>
-          <a:p>
-            <a:pPr marL="0" marR="0" lvl="0" indent="-228600">
-              <a:lnSpc>
-                <a:spcPct val="90000"/>
-              </a:lnSpc>
-              <a:spcBef>
-                <a:spcPts val="0"/>
-              </a:spcBef>
-              <a:spcAft>
-                <a:spcPts val="600"/>
-              </a:spcAft>
-              <a:buFont typeface="Arial" panose="020B0604020202020204" pitchFamily="34" charset="0"/>
-              <a:buChar char="•"/>
-            </a:pPr>
-            <a:r>
-              <a:rPr lang="en-US">
-                <a:sym typeface="Century Gothic"/>
-              </a:rPr>
-              <a:t>Noel Prieto Pardo</a:t>
-            </a:r>
-          </a:p>
-          <a:p>
-            <a:pPr marL="0" marR="0" lvl="0" indent="-228600">
-              <a:lnSpc>
-                <a:spcPct val="90000"/>
-              </a:lnSpc>
-              <a:spcBef>
-                <a:spcPts val="0"/>
-              </a:spcBef>
-              <a:spcAft>
-                <a:spcPts val="600"/>
-              </a:spcAft>
-              <a:buFont typeface="Arial" panose="020B0604020202020204" pitchFamily="34" charset="0"/>
-              <a:buChar char="•"/>
-            </a:pPr>
-            <a:r>
-              <a:rPr lang="en-US">
-                <a:sym typeface="Century Gothic"/>
-              </a:rPr>
-              <a:t>Mario Ortuñez Sanz</a:t>
-            </a:r>
-          </a:p>
-        </p:txBody>
-      </p:sp>
-      <p:pic>
-        <p:nvPicPr>
-          <p:cNvPr id="120" name="Graphic 119" descr="Moustache Face with Solid Fill">
-            <a:extLst>
-              <a:ext uri="{FF2B5EF4-FFF2-40B4-BE49-F238E27FC236}">
-                <a16:creationId xmlns:a16="http://schemas.microsoft.com/office/drawing/2014/main" id="{8CAEE5BD-3693-F6FD-30A5-E3AC57E8F952}"/>
-              </a:ext>
-            </a:extLst>
-          </p:cNvPr>
-          <p:cNvPicPr>
-            <a:picLocks noChangeAspect="1"/>
-          </p:cNvPicPr>
-          <p:nvPr/>
-        </p:nvPicPr>
-        <p:blipFill>
-          <a:blip r:embed="rId3">
-            <a:extLst>
-              <a:ext uri="{28A0092B-C50C-407E-A947-70E740481C1C}">
-                <a14:useLocalDpi xmlns:a14="http://schemas.microsoft.com/office/drawing/2010/main" val="0"/>
-              </a:ext>
-              <a:ext uri="{96DAC541-7B7A-43D3-8B79-37D633B846F1}">
-                <asvg:svgBlip xmlns:asvg="http://schemas.microsoft.com/office/drawing/2016/SVG/main" r:embed="rId4"/>
-              </a:ext>
-            </a:extLst>
-          </a:blip>
-          <a:stretch>
-            <a:fillRect/>
-          </a:stretch>
-        </p:blipFill>
-        <p:spPr>
-          <a:xfrm>
-            <a:off x="7924800" y="1957050"/>
-            <a:ext cx="3945463" cy="3945463"/>
-          </a:xfrm>
-          <a:prstGeom prst="rect">
-            <a:avLst/>
-          </a:prstGeom>
-        </p:spPr>
-      </p:pic>
     </p:spTree>
   </p:cSld>
   <p:clrMapOvr>
@@ -8852,26 +9490,9 @@
   <p:cSld>
     <p:bg>
       <p:bgPr>
-        <a:gradFill rotWithShape="1">
-          <a:gsLst>
-            <a:gs pos="10000">
-              <a:schemeClr val="bg1">
-                <a:tint val="97000"/>
-                <a:hueMod val="92000"/>
-                <a:satMod val="169000"/>
-                <a:lumMod val="164000"/>
-              </a:schemeClr>
-            </a:gs>
-            <a:gs pos="100000">
-              <a:schemeClr val="bg1">
-                <a:shade val="96000"/>
-                <a:satMod val="120000"/>
-                <a:lumMod val="90000"/>
-              </a:schemeClr>
-            </a:gs>
-          </a:gsLst>
-          <a:lin ang="6120000" scaled="1"/>
-        </a:gradFill>
+        <a:solidFill>
+          <a:schemeClr val="bg1"/>
+        </a:solidFill>
         <a:effectLst/>
       </p:bgPr>
     </p:bg>
@@ -8891,7 +9512,7 @@
       </p:grpSpPr>
       <p:grpSp>
         <p:nvGrpSpPr>
-          <p:cNvPr id="158" name="Group 142">
+          <p:cNvPr id="164" name="Group 163">
             <a:extLst>
               <a:ext uri="{FF2B5EF4-FFF2-40B4-BE49-F238E27FC236}">
                 <a16:creationId xmlns:a16="http://schemas.microsoft.com/office/drawing/2014/main" id="{8F1EF17D-1B70-428C-8A8A-A2C5B390E1E9}"/>
@@ -8922,7 +9543,7 @@
         </p:grpSpPr>
         <p:cxnSp>
           <p:nvCxnSpPr>
-            <p:cNvPr id="144" name="Straight Connector 143">
+            <p:cNvPr id="165" name="Straight Connector 164">
               <a:extLst>
                 <a:ext uri="{FF2B5EF4-FFF2-40B4-BE49-F238E27FC236}">
                   <a16:creationId xmlns:a16="http://schemas.microsoft.com/office/drawing/2014/main" id="{12FAEDF3-CEC8-4BF6-8EA7-4079C471838C}"/>
@@ -8972,7 +9593,7 @@
         </p:cxnSp>
         <p:cxnSp>
           <p:nvCxnSpPr>
-            <p:cNvPr id="145" name="Straight Connector 144">
+            <p:cNvPr id="166" name="Straight Connector 165">
               <a:extLst>
                 <a:ext uri="{FF2B5EF4-FFF2-40B4-BE49-F238E27FC236}">
                   <a16:creationId xmlns:a16="http://schemas.microsoft.com/office/drawing/2014/main" id="{398DB8F4-CD77-4FCC-8544-ADE8B478C151}"/>
@@ -9022,7 +9643,7 @@
         </p:cxnSp>
         <p:cxnSp>
           <p:nvCxnSpPr>
-            <p:cNvPr id="146" name="Straight Connector 145">
+            <p:cNvPr id="167" name="Straight Connector 166">
               <a:extLst>
                 <a:ext uri="{FF2B5EF4-FFF2-40B4-BE49-F238E27FC236}">
                   <a16:creationId xmlns:a16="http://schemas.microsoft.com/office/drawing/2014/main" id="{22202DFE-039D-48E4-8536-FA30F2489475}"/>
@@ -9072,7 +9693,7 @@
         </p:cxnSp>
         <p:cxnSp>
           <p:nvCxnSpPr>
-            <p:cNvPr id="147" name="Straight Connector 146">
+            <p:cNvPr id="168" name="Straight Connector 167">
               <a:extLst>
                 <a:ext uri="{FF2B5EF4-FFF2-40B4-BE49-F238E27FC236}">
                   <a16:creationId xmlns:a16="http://schemas.microsoft.com/office/drawing/2014/main" id="{81F05E26-510E-4164-83C7-28E4FE9D7EA3}"/>
@@ -9122,7 +9743,7 @@
         </p:cxnSp>
         <p:cxnSp>
           <p:nvCxnSpPr>
-            <p:cNvPr id="148" name="Straight Connector 147">
+            <p:cNvPr id="169" name="Straight Connector 168">
               <a:extLst>
                 <a:ext uri="{FF2B5EF4-FFF2-40B4-BE49-F238E27FC236}">
                   <a16:creationId xmlns:a16="http://schemas.microsoft.com/office/drawing/2014/main" id="{E632161A-50D4-4D96-887A-98FC9209310C}"/>
@@ -9173,7 +9794,7 @@
       </p:grpSp>
       <p:sp useBgFill="1">
         <p:nvSpPr>
-          <p:cNvPr id="159" name="Rectangle 149">
+          <p:cNvPr id="171" name="Rectangle 170">
             <a:extLst>
               <a:ext uri="{FF2B5EF4-FFF2-40B4-BE49-F238E27FC236}">
                 <a16:creationId xmlns:a16="http://schemas.microsoft.com/office/drawing/2014/main" id="{8F4E830A-06F9-4EAA-9E65-110CF2421798}"/>
@@ -9245,15 +9866,15 @@
         </p:nvPicPr>
         <p:blipFill rotWithShape="1">
           <a:blip r:embed="rId3">
-            <a:alphaModFix amt="25000"/>
+            <a:alphaModFix amt="35000"/>
           </a:blip>
-          <a:srcRect l="5556" r="5556"/>
+          <a:srcRect l="5555" r="5556"/>
           <a:stretch/>
         </p:blipFill>
         <p:spPr>
           <a:xfrm>
-            <a:off x="20" y="10"/>
-            <a:ext cx="12191980" cy="6857990"/>
+            <a:off x="3174" y="-28701"/>
+            <a:ext cx="12192000" cy="6857990"/>
           </a:xfrm>
           <a:prstGeom prst="rect">
             <a:avLst/>
@@ -9269,8 +9890,8 @@
         </p:nvSpPr>
         <p:spPr>
           <a:xfrm>
-            <a:off x="684212" y="4487332"/>
-            <a:ext cx="8534400" cy="1507067"/>
+            <a:off x="3921188" y="207427"/>
+            <a:ext cx="3860356" cy="1507067"/>
           </a:xfrm>
           <a:prstGeom prst="rect">
             <a:avLst/>
@@ -9291,7 +9912,7 @@
               </a:spcAft>
             </a:pPr>
             <a:r>
-              <a:rPr lang="en-US" sz="3600" cap="all">
+              <a:rPr lang="en-US" sz="3600" cap="all" dirty="0" err="1">
                 <a:ln w="3175" cmpd="sng">
                   <a:noFill/>
                 </a:ln>
@@ -9302,6 +9923,15 @@
               </a:rPr>
               <a:t>Introducción</a:t>
             </a:r>
+            <a:endParaRPr lang="en-US" sz="3600" cap="all" dirty="0">
+              <a:ln w="3175" cmpd="sng">
+                <a:noFill/>
+              </a:ln>
+              <a:latin typeface="+mj-lt"/>
+              <a:ea typeface="+mj-ea"/>
+              <a:cs typeface="+mj-cs"/>
+              <a:sym typeface="Teko"/>
+            </a:endParaRPr>
           </a:p>
         </p:txBody>
       </p:sp>
@@ -9313,8 +9943,8 @@
         </p:nvSpPr>
         <p:spPr>
           <a:xfrm>
-            <a:off x="684212" y="685800"/>
-            <a:ext cx="8534400" cy="3615267"/>
+            <a:off x="1444625" y="2628643"/>
+            <a:ext cx="8534400" cy="1657603"/>
           </a:xfrm>
           <a:prstGeom prst="rect">
             <a:avLst/>
@@ -9341,296 +9971,182 @@
               <a:buChar char=""/>
             </a:pPr>
             <a:r>
-              <a:rPr lang="en-US">
+              <a:rPr lang="en-US" dirty="0">
                 <a:sym typeface="Century Gothic"/>
               </a:rPr>
-              <a:t>Smartsheet, es una herramienta online, que sirve, para la gestión de proyectos, de forma colaborativa en grupo, su función es la creación de tareas, realización de formularios web, planificación de eventos… </a:t>
+              <a:t>Smartsheet, es </a:t>
+            </a:r>
+            <a:r>
+              <a:rPr lang="en-US" dirty="0" err="1">
+                <a:sym typeface="Century Gothic"/>
+              </a:rPr>
+              <a:t>una</a:t>
+            </a:r>
+            <a:r>
+              <a:rPr lang="en-US" dirty="0">
+                <a:sym typeface="Century Gothic"/>
+              </a:rPr>
+              <a:t> </a:t>
+            </a:r>
+            <a:r>
+              <a:rPr lang="en-US" dirty="0" err="1">
+                <a:sym typeface="Century Gothic"/>
+              </a:rPr>
+              <a:t>herramienta</a:t>
+            </a:r>
+            <a:r>
+              <a:rPr lang="en-US" dirty="0">
+                <a:sym typeface="Century Gothic"/>
+              </a:rPr>
+              <a:t> online, que </a:t>
+            </a:r>
+            <a:r>
+              <a:rPr lang="en-US" dirty="0" err="1">
+                <a:sym typeface="Century Gothic"/>
+              </a:rPr>
+              <a:t>sirve</a:t>
+            </a:r>
+            <a:r>
+              <a:rPr lang="en-US" dirty="0">
+                <a:sym typeface="Century Gothic"/>
+              </a:rPr>
+              <a:t>, para la </a:t>
+            </a:r>
+            <a:r>
+              <a:rPr lang="en-US" dirty="0" err="1">
+                <a:sym typeface="Century Gothic"/>
+              </a:rPr>
+              <a:t>gestión</a:t>
+            </a:r>
+            <a:r>
+              <a:rPr lang="en-US" dirty="0">
+                <a:sym typeface="Century Gothic"/>
+              </a:rPr>
+              <a:t> de </a:t>
+            </a:r>
+            <a:r>
+              <a:rPr lang="en-US" dirty="0" err="1">
+                <a:sym typeface="Century Gothic"/>
+              </a:rPr>
+              <a:t>proyectos</a:t>
+            </a:r>
+            <a:r>
+              <a:rPr lang="en-US" dirty="0">
+                <a:sym typeface="Century Gothic"/>
+              </a:rPr>
+              <a:t>, de forma </a:t>
+            </a:r>
+            <a:r>
+              <a:rPr lang="en-US" dirty="0" err="1">
+                <a:sym typeface="Century Gothic"/>
+              </a:rPr>
+              <a:t>colaborativa</a:t>
+            </a:r>
+            <a:r>
+              <a:rPr lang="en-US" dirty="0">
+                <a:sym typeface="Century Gothic"/>
+              </a:rPr>
+              <a:t> en </a:t>
+            </a:r>
+            <a:r>
+              <a:rPr lang="en-US" dirty="0" err="1">
+                <a:sym typeface="Century Gothic"/>
+              </a:rPr>
+              <a:t>grupo</a:t>
+            </a:r>
+            <a:r>
+              <a:rPr lang="en-US" dirty="0">
+                <a:sym typeface="Century Gothic"/>
+              </a:rPr>
+              <a:t>, </a:t>
+            </a:r>
+            <a:r>
+              <a:rPr lang="en-US" dirty="0" err="1">
+                <a:sym typeface="Century Gothic"/>
+              </a:rPr>
+              <a:t>su</a:t>
+            </a:r>
+            <a:r>
+              <a:rPr lang="en-US" dirty="0">
+                <a:sym typeface="Century Gothic"/>
+              </a:rPr>
+              <a:t> </a:t>
+            </a:r>
+            <a:r>
+              <a:rPr lang="en-US" dirty="0" err="1">
+                <a:sym typeface="Century Gothic"/>
+              </a:rPr>
+              <a:t>función</a:t>
+            </a:r>
+            <a:r>
+              <a:rPr lang="en-US" dirty="0">
+                <a:sym typeface="Century Gothic"/>
+              </a:rPr>
+              <a:t> es la creación de </a:t>
+            </a:r>
+            <a:r>
+              <a:rPr lang="en-US" dirty="0" err="1">
+                <a:sym typeface="Century Gothic"/>
+              </a:rPr>
+              <a:t>tareas</a:t>
+            </a:r>
+            <a:r>
+              <a:rPr lang="en-US" dirty="0">
+                <a:sym typeface="Century Gothic"/>
+              </a:rPr>
+              <a:t>, </a:t>
+            </a:r>
+            <a:r>
+              <a:rPr lang="en-US" dirty="0" err="1">
+                <a:sym typeface="Century Gothic"/>
+              </a:rPr>
+              <a:t>realización</a:t>
+            </a:r>
+            <a:r>
+              <a:rPr lang="en-US" dirty="0">
+                <a:sym typeface="Century Gothic"/>
+              </a:rPr>
+              <a:t> de </a:t>
+            </a:r>
+            <a:r>
+              <a:rPr lang="en-US" dirty="0" err="1">
+                <a:sym typeface="Century Gothic"/>
+              </a:rPr>
+              <a:t>formularios</a:t>
+            </a:r>
+            <a:r>
+              <a:rPr lang="en-US" dirty="0">
+                <a:sym typeface="Century Gothic"/>
+              </a:rPr>
+              <a:t> web, </a:t>
+            </a:r>
+            <a:r>
+              <a:rPr lang="en-US" dirty="0" err="1">
+                <a:sym typeface="Century Gothic"/>
+              </a:rPr>
+              <a:t>planificación</a:t>
+            </a:r>
+            <a:r>
+              <a:rPr lang="en-US" dirty="0">
+                <a:sym typeface="Century Gothic"/>
+              </a:rPr>
+              <a:t> de </a:t>
+            </a:r>
+            <a:r>
+              <a:rPr lang="en-US" dirty="0" err="1">
+                <a:sym typeface="Century Gothic"/>
+              </a:rPr>
+              <a:t>eventos</a:t>
+            </a:r>
+            <a:r>
+              <a:rPr lang="en-US" dirty="0">
+                <a:sym typeface="Century Gothic"/>
+              </a:rPr>
+              <a:t>… </a:t>
             </a:r>
           </a:p>
         </p:txBody>
       </p:sp>
-      <p:grpSp>
-        <p:nvGrpSpPr>
-          <p:cNvPr id="152" name="Group 151">
-            <a:extLst>
-              <a:ext uri="{FF2B5EF4-FFF2-40B4-BE49-F238E27FC236}">
-                <a16:creationId xmlns:a16="http://schemas.microsoft.com/office/drawing/2014/main" id="{24B32265-D526-44B2-B82E-8977DFEFB457}"/>
-              </a:ext>
-              <a:ext uri="{C183D7F6-B498-43B3-948B-1728B52AA6E4}">
-                <adec:decorative xmlns:adec="http://schemas.microsoft.com/office/drawing/2017/decorative" val="1"/>
-              </a:ext>
-            </a:extLst>
-          </p:cNvPr>
-          <p:cNvGrpSpPr>
-            <a:grpSpLocks noGrp="1" noUngrp="1" noRot="1" noChangeAspect="1" noMove="1" noResize="1"/>
-          </p:cNvGrpSpPr>
-          <p:nvPr>
-            <p:extLst>
-              <p:ext uri="{386F3935-93C4-4BCD-93E2-E3B085C9AB24}">
-                <p16:designElem xmlns:p16="http://schemas.microsoft.com/office/powerpoint/2015/main" val="1"/>
-              </p:ext>
-            </p:extLst>
-          </p:nvPr>
-        </p:nvGrpSpPr>
-        <p:grpSpPr>
-          <a:xfrm>
-            <a:off x="9206969" y="2963333"/>
-            <a:ext cx="2981858" cy="3208867"/>
-            <a:chOff x="9206969" y="2963333"/>
-            <a:chExt cx="2981858" cy="3208867"/>
-          </a:xfrm>
-        </p:grpSpPr>
-        <p:cxnSp>
-          <p:nvCxnSpPr>
-            <p:cNvPr id="153" name="Straight Connector 152">
-              <a:extLst>
-                <a:ext uri="{FF2B5EF4-FFF2-40B4-BE49-F238E27FC236}">
-                  <a16:creationId xmlns:a16="http://schemas.microsoft.com/office/drawing/2014/main" id="{9A453D36-EF7F-403B-A9E0-553E1F0B3A9F}"/>
-                </a:ext>
-                <a:ext uri="{C183D7F6-B498-43B3-948B-1728B52AA6E4}">
-                  <adec:decorative xmlns:adec="http://schemas.microsoft.com/office/drawing/2017/decorative" val="1"/>
-                </a:ext>
-              </a:extLst>
-            </p:cNvPr>
-            <p:cNvCxnSpPr/>
-            <p:nvPr>
-              <p:extLst>
-                <p:ext uri="{386F3935-93C4-4BCD-93E2-E3B085C9AB24}">
-                  <p16:designElem xmlns:p16="http://schemas.microsoft.com/office/powerpoint/2015/main" val="1"/>
-                </p:ext>
-              </p:extLst>
-            </p:nvPr>
-          </p:nvCxnSpPr>
-          <p:spPr>
-            <a:xfrm flipH="1">
-              <a:off x="11276012" y="2963333"/>
-              <a:ext cx="912814" cy="912812"/>
-            </a:xfrm>
-            <a:prstGeom prst="line">
-              <a:avLst/>
-            </a:prstGeom>
-            <a:ln w="9525">
-              <a:solidFill>
-                <a:schemeClr val="tx1"/>
-              </a:solidFill>
-            </a:ln>
-          </p:spPr>
-          <p:style>
-            <a:lnRef idx="2">
-              <a:schemeClr val="accent1"/>
-            </a:lnRef>
-            <a:fillRef idx="0">
-              <a:schemeClr val="accent1"/>
-            </a:fillRef>
-            <a:effectRef idx="1">
-              <a:schemeClr val="accent1"/>
-            </a:effectRef>
-            <a:fontRef idx="minor">
-              <a:schemeClr val="tx1"/>
-            </a:fontRef>
-          </p:style>
-        </p:cxnSp>
-        <p:cxnSp>
-          <p:nvCxnSpPr>
-            <p:cNvPr id="154" name="Straight Connector 153">
-              <a:extLst>
-                <a:ext uri="{FF2B5EF4-FFF2-40B4-BE49-F238E27FC236}">
-                  <a16:creationId xmlns:a16="http://schemas.microsoft.com/office/drawing/2014/main" id="{3E7E8D9E-8474-4515-9EEB-0B46BE8EFABD}"/>
-                </a:ext>
-                <a:ext uri="{C183D7F6-B498-43B3-948B-1728B52AA6E4}">
-                  <adec:decorative xmlns:adec="http://schemas.microsoft.com/office/drawing/2017/decorative" val="1"/>
-                </a:ext>
-              </a:extLst>
-            </p:cNvPr>
-            <p:cNvCxnSpPr/>
-            <p:nvPr>
-              <p:extLst>
-                <p:ext uri="{386F3935-93C4-4BCD-93E2-E3B085C9AB24}">
-                  <p16:designElem xmlns:p16="http://schemas.microsoft.com/office/powerpoint/2015/main" val="1"/>
-                </p:ext>
-              </p:extLst>
-            </p:nvPr>
-          </p:nvCxnSpPr>
-          <p:spPr>
-            <a:xfrm flipH="1">
-              <a:off x="9206969" y="3190344"/>
-              <a:ext cx="2981857" cy="2981856"/>
-            </a:xfrm>
-            <a:prstGeom prst="line">
-              <a:avLst/>
-            </a:prstGeom>
-            <a:ln w="9525">
-              <a:solidFill>
-                <a:schemeClr val="tx1"/>
-              </a:solidFill>
-            </a:ln>
-          </p:spPr>
-          <p:style>
-            <a:lnRef idx="2">
-              <a:schemeClr val="accent1"/>
-            </a:lnRef>
-            <a:fillRef idx="0">
-              <a:schemeClr val="accent1"/>
-            </a:fillRef>
-            <a:effectRef idx="1">
-              <a:schemeClr val="accent1"/>
-            </a:effectRef>
-            <a:fontRef idx="minor">
-              <a:schemeClr val="tx1"/>
-            </a:fontRef>
-          </p:style>
-        </p:cxnSp>
-        <p:cxnSp>
-          <p:nvCxnSpPr>
-            <p:cNvPr id="155" name="Straight Connector 154">
-              <a:extLst>
-                <a:ext uri="{FF2B5EF4-FFF2-40B4-BE49-F238E27FC236}">
-                  <a16:creationId xmlns:a16="http://schemas.microsoft.com/office/drawing/2014/main" id="{586A1812-CCD3-429E-AAAE-CC335A33F8E1}"/>
-                </a:ext>
-                <a:ext uri="{C183D7F6-B498-43B3-948B-1728B52AA6E4}">
-                  <adec:decorative xmlns:adec="http://schemas.microsoft.com/office/drawing/2017/decorative" val="1"/>
-                </a:ext>
-              </a:extLst>
-            </p:cNvPr>
-            <p:cNvCxnSpPr/>
-            <p:nvPr>
-              <p:extLst>
-                <p:ext uri="{386F3935-93C4-4BCD-93E2-E3B085C9AB24}">
-                  <p16:designElem xmlns:p16="http://schemas.microsoft.com/office/powerpoint/2015/main" val="1"/>
-                </p:ext>
-              </p:extLst>
-            </p:nvPr>
-          </p:nvCxnSpPr>
-          <p:spPr>
-            <a:xfrm flipH="1">
-              <a:off x="10292292" y="3285067"/>
-              <a:ext cx="1896534" cy="1896533"/>
-            </a:xfrm>
-            <a:prstGeom prst="line">
-              <a:avLst/>
-            </a:prstGeom>
-            <a:ln w="9525">
-              <a:solidFill>
-                <a:schemeClr val="tx1"/>
-              </a:solidFill>
-            </a:ln>
-          </p:spPr>
-          <p:style>
-            <a:lnRef idx="2">
-              <a:schemeClr val="accent1"/>
-            </a:lnRef>
-            <a:fillRef idx="0">
-              <a:schemeClr val="accent1"/>
-            </a:fillRef>
-            <a:effectRef idx="1">
-              <a:schemeClr val="accent1"/>
-            </a:effectRef>
-            <a:fontRef idx="minor">
-              <a:schemeClr val="tx1"/>
-            </a:fontRef>
-          </p:style>
-        </p:cxnSp>
-        <p:cxnSp>
-          <p:nvCxnSpPr>
-            <p:cNvPr id="156" name="Straight Connector 155">
-              <a:extLst>
-                <a:ext uri="{FF2B5EF4-FFF2-40B4-BE49-F238E27FC236}">
-                  <a16:creationId xmlns:a16="http://schemas.microsoft.com/office/drawing/2014/main" id="{ECB9509C-1B73-4063-8E69-E9024ACED1C8}"/>
-                </a:ext>
-                <a:ext uri="{C183D7F6-B498-43B3-948B-1728B52AA6E4}">
-                  <adec:decorative xmlns:adec="http://schemas.microsoft.com/office/drawing/2017/decorative" val="1"/>
-                </a:ext>
-              </a:extLst>
-            </p:cNvPr>
-            <p:cNvCxnSpPr/>
-            <p:nvPr>
-              <p:extLst>
-                <p:ext uri="{386F3935-93C4-4BCD-93E2-E3B085C9AB24}">
-                  <p16:designElem xmlns:p16="http://schemas.microsoft.com/office/powerpoint/2015/main" val="1"/>
-                </p:ext>
-              </p:extLst>
-            </p:nvPr>
-          </p:nvCxnSpPr>
-          <p:spPr>
-            <a:xfrm flipH="1">
-              <a:off x="10443103" y="3131080"/>
-              <a:ext cx="1745722" cy="1745720"/>
-            </a:xfrm>
-            <a:prstGeom prst="line">
-              <a:avLst/>
-            </a:prstGeom>
-            <a:ln w="28575">
-              <a:solidFill>
-                <a:schemeClr val="tx1"/>
-              </a:solidFill>
-            </a:ln>
-          </p:spPr>
-          <p:style>
-            <a:lnRef idx="2">
-              <a:schemeClr val="accent1"/>
-            </a:lnRef>
-            <a:fillRef idx="0">
-              <a:schemeClr val="accent1"/>
-            </a:fillRef>
-            <a:effectRef idx="1">
-              <a:schemeClr val="accent1"/>
-            </a:effectRef>
-            <a:fontRef idx="minor">
-              <a:schemeClr val="tx1"/>
-            </a:fontRef>
-          </p:style>
-        </p:cxnSp>
-        <p:cxnSp>
-          <p:nvCxnSpPr>
-            <p:cNvPr id="157" name="Straight Connector 156">
-              <a:extLst>
-                <a:ext uri="{FF2B5EF4-FFF2-40B4-BE49-F238E27FC236}">
-                  <a16:creationId xmlns:a16="http://schemas.microsoft.com/office/drawing/2014/main" id="{44BEF3D9-6561-4BA4-AD81-AC90EF33F6FB}"/>
-                </a:ext>
-                <a:ext uri="{C183D7F6-B498-43B3-948B-1728B52AA6E4}">
-                  <adec:decorative xmlns:adec="http://schemas.microsoft.com/office/drawing/2017/decorative" val="1"/>
-                </a:ext>
-              </a:extLst>
-            </p:cNvPr>
-            <p:cNvCxnSpPr/>
-            <p:nvPr>
-              <p:extLst>
-                <p:ext uri="{386F3935-93C4-4BCD-93E2-E3B085C9AB24}">
-                  <p16:designElem xmlns:p16="http://schemas.microsoft.com/office/powerpoint/2015/main" val="1"/>
-                </p:ext>
-              </p:extLst>
-            </p:nvPr>
-          </p:nvCxnSpPr>
-          <p:spPr>
-            <a:xfrm flipH="1">
-              <a:off x="10918826" y="3683001"/>
-              <a:ext cx="1270001" cy="1269999"/>
-            </a:xfrm>
-            <a:prstGeom prst="line">
-              <a:avLst/>
-            </a:prstGeom>
-            <a:ln w="28575">
-              <a:solidFill>
-                <a:schemeClr val="tx1"/>
-              </a:solidFill>
-            </a:ln>
-          </p:spPr>
-          <p:style>
-            <a:lnRef idx="2">
-              <a:schemeClr val="accent1"/>
-            </a:lnRef>
-            <a:fillRef idx="0">
-              <a:schemeClr val="accent1"/>
-            </a:fillRef>
-            <a:effectRef idx="1">
-              <a:schemeClr val="accent1"/>
-            </a:effectRef>
-            <a:fontRef idx="minor">
-              <a:schemeClr val="tx1"/>
-            </a:fontRef>
-          </p:style>
-        </p:cxnSp>
-      </p:grpSp>
     </p:spTree>
   </p:cSld>
   <p:clrMapOvr>
@@ -10058,8 +10574,8 @@
         </p:nvSpPr>
         <p:spPr>
           <a:xfrm>
-            <a:off x="684212" y="4487332"/>
-            <a:ext cx="8534400" cy="1507067"/>
+            <a:off x="3793903" y="441112"/>
+            <a:ext cx="4597844" cy="1507067"/>
           </a:xfrm>
           <a:prstGeom prst="rect">
             <a:avLst/>
@@ -10080,7 +10596,7 @@
               </a:spcAft>
             </a:pPr>
             <a:r>
-              <a:rPr lang="en-US" sz="3600" cap="all">
+              <a:rPr lang="en-US" sz="3600" cap="all" dirty="0" err="1">
                 <a:ln w="3175" cmpd="sng">
                   <a:noFill/>
                 </a:ln>
@@ -10091,6 +10607,15 @@
               </a:rPr>
               <a:t>Características</a:t>
             </a:r>
+            <a:endParaRPr lang="en-US" sz="3600" cap="all" dirty="0">
+              <a:ln w="3175" cmpd="sng">
+                <a:noFill/>
+              </a:ln>
+              <a:latin typeface="+mj-lt"/>
+              <a:ea typeface="+mj-ea"/>
+              <a:cs typeface="+mj-cs"/>
+              <a:sym typeface="Teko"/>
+            </a:endParaRPr>
           </a:p>
         </p:txBody>
       </p:sp>
@@ -10102,7 +10627,7 @@
         </p:nvSpPr>
         <p:spPr>
           <a:xfrm>
-            <a:off x="684212" y="685800"/>
+            <a:off x="954362" y="1948179"/>
             <a:ext cx="8534400" cy="3615267"/>
           </a:xfrm>
           <a:prstGeom prst="rect">
@@ -11528,8 +12053,8 @@
               <a:lnSpc>
                 <a:spcPct val="90000"/>
               </a:lnSpc>
-              <a:buFont typeface="Arial" panose="020B0604020202020204" pitchFamily="34" charset="0"/>
-              <a:buChar char="•"/>
+              <a:buFont typeface="Wingdings" panose="05000000000000000000" pitchFamily="2" charset="2"/>
+              <a:buChar char="Ø"/>
             </a:pPr>
             <a:r>
               <a:rPr lang="en-US" sz="1400" b="1" dirty="0">
@@ -11916,10 +12441,12 @@
             </a:endParaRPr>
           </a:p>
           <a:p>
-            <a:pPr algn="r">
+            <a:pPr marL="285750" indent="-285750" algn="r">
               <a:lnSpc>
                 <a:spcPct val="90000"/>
               </a:lnSpc>
+              <a:buFont typeface="Wingdings" panose="05000000000000000000" pitchFamily="2" charset="2"/>
+              <a:buChar char="Ø"/>
             </a:pPr>
             <a:endParaRPr lang="en-US" sz="1600" dirty="0">
               <a:solidFill>
@@ -11957,15 +12484,15 @@
           </a:bodyPr>
           <a:lstStyle/>
           <a:p>
-            <a:pPr rtl="0" fontAlgn="base">
+            <a:pPr marL="285750" indent="-285750" rtl="0" fontAlgn="base">
               <a:spcBef>
                 <a:spcPts val="0"/>
               </a:spcBef>
               <a:spcAft>
                 <a:spcPts val="0"/>
               </a:spcAft>
-              <a:buFont typeface="Arial" panose="020B0604020202020204" pitchFamily="34" charset="0"/>
-              <a:buChar char="•"/>
+              <a:buFont typeface="Wingdings" panose="05000000000000000000" pitchFamily="2" charset="2"/>
+              <a:buChar char="Ø"/>
             </a:pPr>
             <a:r>
               <a:rPr lang="es-ES" sz="1400" b="0" i="0" u="none" strike="noStrike" dirty="0">
@@ -12032,15 +12559,15 @@
           </a:bodyPr>
           <a:lstStyle/>
           <a:p>
-            <a:pPr rtl="0" fontAlgn="base">
+            <a:pPr marL="285750" indent="-285750" rtl="0" fontAlgn="base">
               <a:spcBef>
                 <a:spcPts val="0"/>
               </a:spcBef>
               <a:spcAft>
                 <a:spcPts val="0"/>
               </a:spcAft>
-              <a:buFont typeface="Arial" panose="020B0604020202020204" pitchFamily="34" charset="0"/>
-              <a:buChar char="•"/>
+              <a:buFont typeface="Wingdings" panose="05000000000000000000" pitchFamily="2" charset="2"/>
+              <a:buChar char="Ø"/>
             </a:pPr>
             <a:r>
               <a:rPr lang="es-ES" sz="1400" b="1" i="0" u="none" strike="noStrike" dirty="0">
@@ -14188,7 +14715,7 @@
                 <a:spcPct val="100000"/>
               </a:lnSpc>
               <a:buFont typeface="Wingdings" panose="05000000000000000000" pitchFamily="2" charset="2"/>
-              <a:buChar char="ü"/>
+              <a:buChar char="Ø"/>
             </a:pPr>
             <a:r>
               <a:rPr lang="en-US" sz="1400" dirty="0"/>
@@ -14437,7 +14964,7 @@
                   <a:spcPct val="35000"/>
                 </a:spcAft>
                 <a:buFont typeface="Wingdings" panose="05000000000000000000" pitchFamily="2" charset="2"/>
-                <a:buChar char="ü"/>
+                <a:buChar char="Ø"/>
               </a:pPr>
               <a:r>
                 <a:rPr lang="en-US" sz="1400" kern="1200" dirty="0"/>
@@ -14703,7 +15230,7 @@
                   <a:spcPct val="35000"/>
                 </a:spcAft>
                 <a:buFont typeface="Wingdings" panose="05000000000000000000" pitchFamily="2" charset="2"/>
-                <a:buChar char="ü"/>
+                <a:buChar char="Ø"/>
               </a:pPr>
               <a:r>
                 <a:rPr lang="en-US" sz="1400" kern="1200" dirty="0" err="1"/>
@@ -15394,7 +15921,7 @@
         <p:spPr>
           <a:xfrm>
             <a:off x="4565046" y="441800"/>
-            <a:ext cx="4124100" cy="1130807"/>
+            <a:ext cx="4926426" cy="1130807"/>
           </a:xfrm>
           <a:prstGeom prst="rect">
             <a:avLst/>
@@ -15402,7 +15929,7 @@
         </p:spPr>
         <p:txBody>
           <a:bodyPr spcFirstLastPara="1" vert="horz" lIns="91440" tIns="45720" rIns="91440" bIns="45720" rtlCol="0" anchor="ctr" anchorCtr="0">
-            <a:normAutofit fontScale="85000" lnSpcReduction="10000"/>
+            <a:noAutofit/>
           </a:bodyPr>
           <a:lstStyle/>
           <a:p>
@@ -15475,7 +16002,7 @@
               </a:buClr>
               <a:buSzPct val="80000"/>
               <a:buFont typeface="Wingdings" panose="05000000000000000000" pitchFamily="2" charset="2"/>
-              <a:buChar char="ü"/>
+              <a:buChar char="Ø"/>
             </a:pPr>
             <a:r>
               <a:rPr lang="en-US" sz="1400" dirty="0">
@@ -15823,7 +16350,7 @@
                   <a:spcPct val="35000"/>
                 </a:spcAft>
                 <a:buFont typeface="Wingdings" panose="05000000000000000000" pitchFamily="2" charset="2"/>
-                <a:buChar char="ü"/>
+                <a:buChar char="Ø"/>
               </a:pPr>
               <a:r>
                 <a:rPr lang="en-US" sz="1400" dirty="0">
@@ -16158,7 +16685,7 @@
                 </a:buClr>
                 <a:buSzPct val="80000"/>
                 <a:buFont typeface="Wingdings" panose="05000000000000000000" pitchFamily="2" charset="2"/>
-                <a:buChar char="ü"/>
+                <a:buChar char="Ø"/>
               </a:pPr>
               <a:r>
                 <a:rPr lang="en-US" sz="1400" dirty="0">

--- a/Entornos de Desarrollo/1º Evaluación/Pacticas/Practica2/Tareas/Presentación SmartSheet.pptx
+++ b/Entornos de Desarrollo/1º Evaluación/Pacticas/Practica2/Tareas/Presentación SmartSheet.pptx
@@ -146,7 +146,7 @@
   <pc:docChgLst>
     <pc:chgData name="Eduardo Martín-Sonseca Alonso" userId="044a8a39323ca9b2" providerId="LiveId" clId="{9198A2A9-7E8F-4562-9806-CFF4FF69D251}"/>
     <pc:docChg chg="undo custSel modSld">
-      <pc:chgData name="Eduardo Martín-Sonseca Alonso" userId="044a8a39323ca9b2" providerId="LiveId" clId="{9198A2A9-7E8F-4562-9806-CFF4FF69D251}" dt="2022-10-31T11:32:32.015" v="62" actId="12"/>
+      <pc:chgData name="Eduardo Martín-Sonseca Alonso" userId="044a8a39323ca9b2" providerId="LiveId" clId="{9198A2A9-7E8F-4562-9806-CFF4FF69D251}" dt="2022-11-01T19:43:43.495" v="82" actId="20577"/>
       <pc:docMkLst>
         <pc:docMk/>
       </pc:docMkLst>
@@ -214,13 +214,13 @@
         </pc:picChg>
       </pc:sldChg>
       <pc:sldChg chg="addSp delSp modSp mod setBg">
-        <pc:chgData name="Eduardo Martín-Sonseca Alonso" userId="044a8a39323ca9b2" providerId="LiveId" clId="{9198A2A9-7E8F-4562-9806-CFF4FF69D251}" dt="2022-10-31T11:29:58.194" v="35" actId="1076"/>
+        <pc:chgData name="Eduardo Martín-Sonseca Alonso" userId="044a8a39323ca9b2" providerId="LiveId" clId="{9198A2A9-7E8F-4562-9806-CFF4FF69D251}" dt="2022-11-01T19:43:43.495" v="82" actId="20577"/>
         <pc:sldMkLst>
           <pc:docMk/>
           <pc:sldMk cId="0" sldId="257"/>
         </pc:sldMkLst>
         <pc:spChg chg="mod">
-          <ac:chgData name="Eduardo Martín-Sonseca Alonso" userId="044a8a39323ca9b2" providerId="LiveId" clId="{9198A2A9-7E8F-4562-9806-CFF4FF69D251}" dt="2022-10-31T11:29:51.846" v="32" actId="1076"/>
+          <ac:chgData name="Eduardo Martín-Sonseca Alonso" userId="044a8a39323ca9b2" providerId="LiveId" clId="{9198A2A9-7E8F-4562-9806-CFF4FF69D251}" dt="2022-11-01T19:43:43.495" v="82" actId="20577"/>
           <ac:spMkLst>
             <pc:docMk/>
             <pc:sldMk cId="0" sldId="257"/>
@@ -9912,7 +9912,7 @@
               </a:spcAft>
             </a:pPr>
             <a:r>
-              <a:rPr lang="en-US" sz="3600" cap="all" dirty="0" err="1">
+              <a:rPr lang="en-US" sz="3600" cap="all" dirty="0">
                 <a:ln w="3175" cmpd="sng">
                   <a:noFill/>
                 </a:ln>
@@ -9921,17 +9921,8 @@
                 <a:cs typeface="+mj-cs"/>
                 <a:sym typeface="Teko"/>
               </a:rPr>
-              <a:t>Introducción</a:t>
-            </a:r>
-            <a:endParaRPr lang="en-US" sz="3600" cap="all" dirty="0">
-              <a:ln w="3175" cmpd="sng">
-                <a:noFill/>
-              </a:ln>
-              <a:latin typeface="+mj-lt"/>
-              <a:ea typeface="+mj-ea"/>
-              <a:cs typeface="+mj-cs"/>
-              <a:sym typeface="Teko"/>
-            </a:endParaRPr>
+              <a:t>INTRODUCCIÓN</a:t>
+            </a:r>
           </a:p>
         </p:txBody>
       </p:sp>
